--- a/OOP/Pre-lim/Week 1/Lecture/Overview of Object-Oriented Programming (OOP).pptx
+++ b/OOP/Pre-lim/Week 1/Lecture/Overview of Object-Oriented Programming (OOP).pptx
@@ -206,7 +206,7 @@
           <a:p>
             <a:fld id="{1EBEDD12-BCD5-485B-BCBC-34BB01D7923C}" type="datetimeFigureOut">
               <a:rPr lang="en-US" smtClean="0"/>
-              <a:t>7/12/2025</a:t>
+              <a:t>8/12/2025</a:t>
             </a:fld>
             <a:endParaRPr lang="en-US" dirty="0"/>
           </a:p>
@@ -420,7 +420,7 @@
           <a:p>
             <a:fld id="{6EE7A52F-9D89-7442-A8E9-48D1527B5F6B}" type="datetimeFigureOut">
               <a:rPr lang="en-US" smtClean="0"/>
-              <a:t>7/12/2025</a:t>
+              <a:t>8/12/2025</a:t>
             </a:fld>
             <a:endParaRPr lang="en-US" dirty="0"/>
           </a:p>
@@ -1145,91 +1145,35 @@
           <a:p>
             <a:r>
               <a:rPr lang="en-US" b="1" dirty="0"/>
-              <a:t>Encapsulation</a:t>
-            </a:r>
-          </a:p>
-          <a:p>
-            <a:r>
-              <a:rPr lang="en-US" b="1" dirty="0"/>
-              <a:t>Real-Life Computer Example:</a:t>
-            </a:r>
-            <a:br>
-              <a:rPr lang="en-US" dirty="0"/>
-            </a:br>
-            <a:r>
-              <a:rPr lang="en-US" dirty="0"/>
-              <a:t>When you press the power button on a computer, it starts — but you don’t have access to or touch the internal wires, circuits, or BIOS settings.</a:t>
-            </a:r>
-            <a:br>
-              <a:rPr lang="en-US" dirty="0"/>
-            </a:br>
-            <a:r>
-              <a:rPr lang="en-US" dirty="0"/>
-              <a:t>Only the </a:t>
-            </a:r>
-            <a:r>
-              <a:rPr lang="en-US" b="1" dirty="0"/>
-              <a:t>power button</a:t>
-            </a:r>
-            <a:r>
-              <a:rPr lang="en-US" dirty="0"/>
-              <a:t> (a function) is allowed to control the power (data).</a:t>
-            </a:r>
-          </a:p>
-          <a:p>
-            <a:r>
-              <a:rPr lang="en-US" b="1" dirty="0"/>
-              <a:t>🟩 OOP Connection:</a:t>
-            </a:r>
-            <a:br>
-              <a:rPr lang="en-US" dirty="0"/>
-            </a:br>
-            <a:r>
-              <a:rPr lang="en-US" dirty="0"/>
-              <a:t>Just like the power button hides the internal power system, a class hides its internal data and lets users interact through methods only.</a:t>
-            </a:r>
-          </a:p>
-          <a:p>
-            <a:endParaRPr lang="en-US" dirty="0"/>
+              <a:t>Encapsulation – </a:t>
+            </a:r>
+            <a:r>
+              <a:rPr lang="en-US" b="1" i="1" dirty="0"/>
+              <a:t>Data Protection -</a:t>
+            </a:r>
+            <a:r>
+              <a:rPr lang="en-US" dirty="0"/>
+              <a:t>Locking valuables in a box and giving access only through a key.</a:t>
+            </a:r>
           </a:p>
           <a:p>
             <a:r>
               <a:rPr lang="en-US" b="1" dirty="0"/>
               <a:t>Abstraction</a:t>
             </a:r>
-          </a:p>
-          <a:p>
-            <a:r>
-              <a:rPr lang="en-US" b="1" dirty="0"/>
-              <a:t>Real-Life Computer Example:</a:t>
-            </a:r>
-            <a:br>
-              <a:rPr lang="en-US" dirty="0"/>
-            </a:br>
-            <a:r>
-              <a:rPr lang="en-US" dirty="0"/>
-              <a:t>When you click on a browser icon, it opens the internet — you don’t see how RAM, CPU, or operating system work in the background.</a:t>
-            </a:r>
-            <a:br>
-              <a:rPr lang="en-US" dirty="0"/>
-            </a:br>
-            <a:r>
-              <a:rPr lang="en-US" dirty="0"/>
-              <a:t>You only use what’s needed: the browser window.</a:t>
-            </a:r>
-          </a:p>
-          <a:p>
-            <a:r>
-              <a:rPr lang="en-US" b="1" dirty="0"/>
-              <a:t>🟩 OOP Connection:</a:t>
-            </a:r>
-            <a:br>
-              <a:rPr lang="en-US" dirty="0"/>
-            </a:br>
-            <a:r>
-              <a:rPr lang="en-US" dirty="0"/>
-              <a:t>A class can provide simple methods () while hiding the logic or code to output that methods.</a:t>
-            </a:r>
+            <a:r>
+              <a:rPr lang="en-US" dirty="0"/>
+              <a:t> – </a:t>
+            </a:r>
+            <a:r>
+              <a:rPr lang="en-US" i="1" dirty="0"/>
+              <a:t>Hiding Complexity-</a:t>
+            </a:r>
+            <a:r>
+              <a:rPr lang="en-US" dirty="0"/>
+              <a:t>Driving a car — you use the steering wheel and pedals, without knowing how the engine works.</a:t>
+            </a:r>
+            <a:endParaRPr lang="en-US" i="1" dirty="0"/>
           </a:p>
           <a:p>
             <a:endParaRPr lang="en-US" b="1" dirty="0"/>
@@ -1344,137 +1288,54 @@
               <a:rPr lang="en-US" b="1" dirty="0"/>
               <a:t>Inheritance</a:t>
             </a:r>
+            <a:r>
+              <a:rPr lang="en-US" dirty="0"/>
+              <a:t> – </a:t>
+            </a:r>
+            <a:r>
+              <a:rPr lang="en-US" i="1" dirty="0"/>
+              <a:t>Reusability -</a:t>
+            </a:r>
+            <a:r>
+              <a:rPr lang="en-US" dirty="0"/>
+              <a:t>A child inherits traits from their parents but can also have unique characteristics.</a:t>
+            </a:r>
+            <a:endParaRPr lang="en-US" i="1" dirty="0"/>
           </a:p>
           <a:p>
             <a:r>
               <a:rPr lang="en-US" b="1" dirty="0"/>
-              <a:t>Real-Life Computer Example:</a:t>
-            </a:r>
-            <a:br>
-              <a:rPr lang="en-US" dirty="0"/>
-            </a:br>
-            <a:r>
-              <a:rPr lang="en-US" dirty="0"/>
-              <a:t>Imagine a </a:t>
-            </a:r>
+              <a:t>Polymorphism</a:t>
+            </a:r>
+            <a:r>
+              <a:rPr lang="en-US" dirty="0"/>
+              <a:t> – </a:t>
+            </a:r>
+            <a:r>
+              <a:rPr lang="en-US" i="1" dirty="0"/>
+              <a:t>Many Forms</a:t>
+            </a:r>
+          </a:p>
+          <a:p>
+            <a:r>
+              <a:rPr lang="en-US" dirty="0"/>
+              <a:t>The ability for different classes to respond to the same action (method) in their own way.</a:t>
+            </a:r>
+          </a:p>
+          <a:p>
+            <a:r>
+              <a:rPr lang="en-US" dirty="0"/>
+              <a:t>Lets you use the same interface or method name for different behaviors.</a:t>
+            </a:r>
+          </a:p>
+          <a:p>
             <a:r>
               <a:rPr lang="en-US" b="1" dirty="0"/>
-              <a:t>basic computer</a:t>
-            </a:r>
-            <a:r>
-              <a:rPr lang="en-US" dirty="0"/>
-              <a:t> class. A </a:t>
-            </a:r>
-            <a:r>
-              <a:rPr lang="en-US" b="1" dirty="0"/>
-              <a:t>laptop</a:t>
-            </a:r>
-            <a:r>
-              <a:rPr lang="en-US" dirty="0"/>
-              <a:t> and </a:t>
-            </a:r>
-            <a:r>
-              <a:rPr lang="en-US" b="1" dirty="0"/>
-              <a:t>desktop</a:t>
-            </a:r>
-            <a:r>
-              <a:rPr lang="en-US" dirty="0"/>
-              <a:t> can both inherit features like keyboard, processor, and screen from it.</a:t>
-            </a:r>
-            <a:br>
-              <a:rPr lang="en-US" dirty="0"/>
-            </a:br>
-            <a:r>
-              <a:rPr lang="en-US" dirty="0"/>
-              <a:t>But the laptop adds a battery, and the desktop adds more ports.</a:t>
-            </a:r>
-          </a:p>
-          <a:p>
-            <a:r>
-              <a:rPr lang="en-US" b="1" dirty="0"/>
-              <a:t>🟩 OOP Connection:</a:t>
-            </a:r>
-            <a:br>
-              <a:rPr lang="en-US" dirty="0"/>
-            </a:br>
-            <a:r>
-              <a:rPr lang="en-US" dirty="0"/>
-              <a:t>A Laptop class can inherit all the basic functions of a Computer class, then add or change features as needed.</a:t>
-            </a:r>
-          </a:p>
-          <a:p>
-            <a:endParaRPr lang="en-US" dirty="0"/>
-          </a:p>
-          <a:p>
-            <a:r>
-              <a:rPr lang="en-US" b="1" dirty="0"/>
-              <a:t>Real-Life Computer Example:</a:t>
-            </a:r>
-            <a:br>
-              <a:rPr lang="en-US" dirty="0"/>
-            </a:br>
-            <a:r>
-              <a:rPr lang="en-US" dirty="0"/>
-              <a:t>Pressing the </a:t>
-            </a:r>
-            <a:r>
-              <a:rPr lang="en-US" b="1" dirty="0"/>
-              <a:t>Power button</a:t>
-            </a:r>
-            <a:r>
-              <a:rPr lang="en-US" dirty="0"/>
-              <a:t> on a </a:t>
-            </a:r>
-            <a:r>
-              <a:rPr lang="en-US" b="1" dirty="0"/>
-              <a:t>desktop</a:t>
-            </a:r>
-            <a:r>
-              <a:rPr lang="en-US" dirty="0"/>
-              <a:t> starts the fan and monitor.</a:t>
-            </a:r>
-            <a:br>
-              <a:rPr lang="en-US" dirty="0"/>
-            </a:br>
-            <a:r>
-              <a:rPr lang="en-US" dirty="0"/>
-              <a:t>Pressing the </a:t>
-            </a:r>
-            <a:r>
-              <a:rPr lang="en-US" b="1" dirty="0"/>
-              <a:t>Power button</a:t>
-            </a:r>
-            <a:r>
-              <a:rPr lang="en-US" dirty="0"/>
-              <a:t> on a </a:t>
-            </a:r>
-            <a:r>
-              <a:rPr lang="en-US" b="1" dirty="0"/>
-              <a:t>laptop</a:t>
-            </a:r>
-            <a:r>
-              <a:rPr lang="en-US" dirty="0"/>
-              <a:t> starts the battery and keyboard lights.</a:t>
-            </a:r>
-            <a:br>
-              <a:rPr lang="en-US" dirty="0"/>
-            </a:br>
-            <a:r>
-              <a:rPr lang="en-US" dirty="0"/>
-              <a:t>Same action — different results depending on the device.</a:t>
-            </a:r>
-          </a:p>
-          <a:p>
-            <a:r>
-              <a:rPr lang="en-US" b="1" dirty="0"/>
-              <a:t>🟩 OOP Connection:</a:t>
-            </a:r>
-            <a:br>
-              <a:rPr lang="en-US" dirty="0"/>
-            </a:br>
-            <a:r>
-              <a:rPr lang="en-US" dirty="0"/>
-              <a:t>A method like start() can exist in multiple classes, and each one does something different.</a:t>
+              <a:t>Analogy:</a:t>
+            </a:r>
+            <a:r>
+              <a:rPr lang="en-US" dirty="0"/>
+              <a:t> The word “run” means different things — a person can run, a program can run, a animals can run — same word, different actions.</a:t>
             </a:r>
           </a:p>
           <a:p>
@@ -2173,7 +2034,7 @@
           <a:p>
             <a:r>
               <a:rPr lang="en-US" b="1" dirty="0"/>
-              <a:t> Example: Person</a:t>
+              <a:t> Example: Person // Class (Blueprint)</a:t>
             </a:r>
           </a:p>
           <a:p>
@@ -2432,8 +2293,11 @@
             </a:r>
             <a:r>
               <a:rPr lang="en-US" b="0" dirty="0"/>
-              <a:t>Person</a:t>
-            </a:r>
+              <a:t>Person // Objects (Real Person created from the blueprint)</a:t>
+            </a:r>
+          </a:p>
+          <a:p>
+            <a:endParaRPr lang="en-US" b="0" dirty="0"/>
           </a:p>
           <a:p>
             <a:r>
@@ -6003,7 +5867,7 @@
           <a:p>
             <a:fld id="{168F7DEF-A645-4978-8F38-B85BF88BCBAF}" type="datetimeFigureOut">
               <a:rPr lang="en-US" smtClean="0"/>
-              <a:t>7/12/2025</a:t>
+              <a:t>8/12/2025</a:t>
             </a:fld>
             <a:endParaRPr lang="en-US"/>
           </a:p>
@@ -11694,7 +11558,7 @@
           <p:nvPr>
             <p:extLst>
               <p:ext uri="{D42A27DB-BD31-4B8C-83A1-F6EECF244321}">
-                <p14:modId xmlns:p14="http://schemas.microsoft.com/office/powerpoint/2010/main" val="3556501561"/>
+                <p14:modId xmlns:p14="http://schemas.microsoft.com/office/powerpoint/2010/main" val="3216054777"/>
               </p:ext>
             </p:extLst>
           </p:nvPr>
@@ -14438,7 +14302,7 @@
             <p:ph type="tbl" sz="quarter" idx="10"/>
             <p:extLst>
               <p:ext uri="{D42A27DB-BD31-4B8C-83A1-F6EECF244321}">
-                <p14:modId xmlns:p14="http://schemas.microsoft.com/office/powerpoint/2010/main" val="1753158791"/>
+                <p14:modId xmlns:p14="http://schemas.microsoft.com/office/powerpoint/2010/main" val="1069814156"/>
               </p:ext>
             </p:extLst>
           </p:nvPr>
@@ -14672,7 +14536,7 @@
                         <a:rPr lang="en-PH" sz="1800" kern="100" dirty="0">
                           <a:effectLst/>
                         </a:rPr>
-                        <a:t>Accessible only within the class (name mangling)</a:t>
+                        <a:t>Accessible only within the class</a:t>
                       </a:r>
                       <a:endParaRPr lang="en-PH" sz="1800" kern="100" dirty="0">
                         <a:effectLst/>
@@ -15637,15 +15501,6 @@
 </file>
 
 <file path=customXml/item1.xml><?xml version="1.0" encoding="utf-8"?>
-<?mso-contentType ?>
-<FormTemplates xmlns="http://schemas.microsoft.com/sharepoint/v3/contenttype/forms">
-  <Display>DocumentLibraryForm</Display>
-  <Edit>DocumentLibraryForm</Edit>
-  <New>DocumentLibraryForm</New>
-</FormTemplates>
-</file>
-
-<file path=customXml/item2.xml><?xml version="1.0" encoding="utf-8"?>
 <ct:contentTypeSchema xmlns:ct="http://schemas.microsoft.com/office/2006/metadata/contentType" xmlns:ma="http://schemas.microsoft.com/office/2006/metadata/properties/metaAttributes" ct:_="" ma:_="" ma:contentTypeName="Document" ma:contentTypeID="0x01010079F111ED35F8CC479449609E8A0923A6" ma:contentTypeVersion="28" ma:contentTypeDescription="Create a new document." ma:contentTypeScope="" ma:versionID="60f5a4f2d2b0abadcf532d48ebf9cb71">
   <xsd:schema xmlns:xsd="http://www.w3.org/2001/XMLSchema" xmlns:xs="http://www.w3.org/2001/XMLSchema" xmlns:p="http://schemas.microsoft.com/office/2006/metadata/properties" xmlns:ns1="http://schemas.microsoft.com/sharepoint/v3" xmlns:ns2="71af3243-3dd4-4a8d-8c0d-dd76da1f02a5" xmlns:ns3="16c05727-aa75-4e4a-9b5f-8a80a1165891" xmlns:ns4="230e9df3-be65-4c73-a93b-d1236ebd677e" targetNamespace="http://schemas.microsoft.com/office/2006/metadata/properties" ma:root="true" ma:fieldsID="7dd78129e6a1811f84807ad11c651531" ns1:_="" ns2:_="" ns3:_="" ns4:_="">
     <xsd:import namespace="http://schemas.microsoft.com/sharepoint/v3"/>
@@ -15957,6 +15812,15 @@
 </ct:contentTypeSchema>
 </file>
 
+<file path=customXml/item2.xml><?xml version="1.0" encoding="utf-8"?>
+<?mso-contentType ?>
+<FormTemplates xmlns="http://schemas.microsoft.com/sharepoint/v3/contenttype/forms">
+  <Display>DocumentLibraryForm</Display>
+  <Edit>DocumentLibraryForm</Edit>
+  <New>DocumentLibraryForm</New>
+</FormTemplates>
+</file>
+
 <file path=customXml/item3.xml><?xml version="1.0" encoding="utf-8"?>
 <p:properties xmlns:p="http://schemas.microsoft.com/office/2006/metadata/properties" xmlns:xsi="http://www.w3.org/2001/XMLSchema-instance" xmlns:pc="http://schemas.microsoft.com/office/infopath/2007/PartnerControls">
   <documentManagement>
@@ -15978,14 +15842,6 @@
 </file>
 
 <file path=customXml/itemProps1.xml><?xml version="1.0" encoding="utf-8"?>
-<ds:datastoreItem xmlns:ds="http://schemas.openxmlformats.org/officeDocument/2006/customXml" ds:itemID="{C21FFAC0-05A2-416A-B06C-C248395482CF}">
-  <ds:schemaRefs>
-    <ds:schemaRef ds:uri="http://schemas.microsoft.com/sharepoint/v3/contenttype/forms"/>
-  </ds:schemaRefs>
-</ds:datastoreItem>
-</file>
-
-<file path=customXml/itemProps2.xml><?xml version="1.0" encoding="utf-8"?>
 <ds:datastoreItem xmlns:ds="http://schemas.openxmlformats.org/officeDocument/2006/customXml" ds:itemID="{92DB9E12-8AC3-4138-BF4D-720A5525AB10}">
   <ds:schemaRefs>
     <ds:schemaRef ds:uri="http://schemas.microsoft.com/office/2006/metadata/contentType"/>
@@ -16006,6 +15862,14 @@
 </ds:datastoreItem>
 </file>
 
+<file path=customXml/itemProps2.xml><?xml version="1.0" encoding="utf-8"?>
+<ds:datastoreItem xmlns:ds="http://schemas.openxmlformats.org/officeDocument/2006/customXml" ds:itemID="{C21FFAC0-05A2-416A-B06C-C248395482CF}">
+  <ds:schemaRefs>
+    <ds:schemaRef ds:uri="http://schemas.microsoft.com/sharepoint/v3/contenttype/forms"/>
+  </ds:schemaRefs>
+</ds:datastoreItem>
+</file>
+
 <file path=customXml/itemProps3.xml><?xml version="1.0" encoding="utf-8"?>
 <ds:datastoreItem xmlns:ds="http://schemas.openxmlformats.org/officeDocument/2006/customXml" ds:itemID="{4F4B194E-8B30-4377-8C59-ECFB902D2A26}">
   <ds:schemaRefs>

--- a/OOP/Pre-lim/Week 1/Lecture/Overview of Object-Oriented Programming (OOP).pptx
+++ b/OOP/Pre-lim/Week 1/Lecture/Overview of Object-Oriented Programming (OOP).pptx
@@ -206,7 +206,7 @@
           <a:p>
             <a:fld id="{1EBEDD12-BCD5-485B-BCBC-34BB01D7923C}" type="datetimeFigureOut">
               <a:rPr lang="en-US" smtClean="0"/>
-              <a:t>8/12/2025</a:t>
+              <a:t>8/13/2025</a:t>
             </a:fld>
             <a:endParaRPr lang="en-US" dirty="0"/>
           </a:p>
@@ -420,7 +420,7 @@
           <a:p>
             <a:fld id="{6EE7A52F-9D89-7442-A8E9-48D1527B5F6B}" type="datetimeFigureOut">
               <a:rPr lang="en-US" smtClean="0"/>
-              <a:t>8/12/2025</a:t>
+              <a:t>8/13/2025</a:t>
             </a:fld>
             <a:endParaRPr lang="en-US" dirty="0"/>
           </a:p>
@@ -2297,6 +2297,39 @@
             </a:r>
           </a:p>
           <a:p>
+            <a:pPr marL="0" marR="0" lvl="0" indent="0" algn="l" defTabSz="914400" rtl="0" eaLnBrk="1" fontAlgn="auto" latinLnBrk="0" hangingPunct="1">
+              <a:lnSpc>
+                <a:spcPct val="100000"/>
+              </a:lnSpc>
+              <a:spcBef>
+                <a:spcPts val="0"/>
+              </a:spcBef>
+              <a:spcAft>
+                <a:spcPts val="0"/>
+              </a:spcAft>
+              <a:buClrTx/>
+              <a:buSzTx/>
+              <a:buFontTx/>
+              <a:buNone/>
+              <a:tabLst/>
+              <a:defRPr/>
+            </a:pPr>
+            <a:r>
+              <a:rPr lang="en-US" b="1"/>
+              <a:t>“Jerico”</a:t>
+            </a:r>
+            <a:r>
+              <a:rPr lang="en-US"/>
+              <a:t> is just the </a:t>
+            </a:r>
+            <a:r>
+              <a:rPr lang="en-US" b="1"/>
+              <a:t>label or identifier</a:t>
+            </a:r>
+            <a:r>
+              <a:rPr lang="en-US"/>
+              <a:t> for the object.</a:t>
+            </a:r>
             <a:endParaRPr lang="en-US" b="0" dirty="0"/>
           </a:p>
           <a:p>
@@ -5867,7 +5900,7 @@
           <a:p>
             <a:fld id="{168F7DEF-A645-4978-8F38-B85BF88BCBAF}" type="datetimeFigureOut">
               <a:rPr lang="en-US" smtClean="0"/>
-              <a:t>8/12/2025</a:t>
+              <a:t>8/13/2025</a:t>
             </a:fld>
             <a:endParaRPr lang="en-US"/>
           </a:p>
@@ -15501,6 +15534,15 @@
 </file>
 
 <file path=customXml/item1.xml><?xml version="1.0" encoding="utf-8"?>
+<?mso-contentType ?>
+<FormTemplates xmlns="http://schemas.microsoft.com/sharepoint/v3/contenttype/forms">
+  <Display>DocumentLibraryForm</Display>
+  <Edit>DocumentLibraryForm</Edit>
+  <New>DocumentLibraryForm</New>
+</FormTemplates>
+</file>
+
+<file path=customXml/item2.xml><?xml version="1.0" encoding="utf-8"?>
 <ct:contentTypeSchema xmlns:ct="http://schemas.microsoft.com/office/2006/metadata/contentType" xmlns:ma="http://schemas.microsoft.com/office/2006/metadata/properties/metaAttributes" ct:_="" ma:_="" ma:contentTypeName="Document" ma:contentTypeID="0x01010079F111ED35F8CC479449609E8A0923A6" ma:contentTypeVersion="28" ma:contentTypeDescription="Create a new document." ma:contentTypeScope="" ma:versionID="60f5a4f2d2b0abadcf532d48ebf9cb71">
   <xsd:schema xmlns:xsd="http://www.w3.org/2001/XMLSchema" xmlns:xs="http://www.w3.org/2001/XMLSchema" xmlns:p="http://schemas.microsoft.com/office/2006/metadata/properties" xmlns:ns1="http://schemas.microsoft.com/sharepoint/v3" xmlns:ns2="71af3243-3dd4-4a8d-8c0d-dd76da1f02a5" xmlns:ns3="16c05727-aa75-4e4a-9b5f-8a80a1165891" xmlns:ns4="230e9df3-be65-4c73-a93b-d1236ebd677e" targetNamespace="http://schemas.microsoft.com/office/2006/metadata/properties" ma:root="true" ma:fieldsID="7dd78129e6a1811f84807ad11c651531" ns1:_="" ns2:_="" ns3:_="" ns4:_="">
     <xsd:import namespace="http://schemas.microsoft.com/sharepoint/v3"/>
@@ -15812,15 +15854,6 @@
 </ct:contentTypeSchema>
 </file>
 
-<file path=customXml/item2.xml><?xml version="1.0" encoding="utf-8"?>
-<?mso-contentType ?>
-<FormTemplates xmlns="http://schemas.microsoft.com/sharepoint/v3/contenttype/forms">
-  <Display>DocumentLibraryForm</Display>
-  <Edit>DocumentLibraryForm</Edit>
-  <New>DocumentLibraryForm</New>
-</FormTemplates>
-</file>
-
 <file path=customXml/item3.xml><?xml version="1.0" encoding="utf-8"?>
 <p:properties xmlns:p="http://schemas.microsoft.com/office/2006/metadata/properties" xmlns:xsi="http://www.w3.org/2001/XMLSchema-instance" xmlns:pc="http://schemas.microsoft.com/office/infopath/2007/PartnerControls">
   <documentManagement>
@@ -15842,6 +15875,14 @@
 </file>
 
 <file path=customXml/itemProps1.xml><?xml version="1.0" encoding="utf-8"?>
+<ds:datastoreItem xmlns:ds="http://schemas.openxmlformats.org/officeDocument/2006/customXml" ds:itemID="{C21FFAC0-05A2-416A-B06C-C248395482CF}">
+  <ds:schemaRefs>
+    <ds:schemaRef ds:uri="http://schemas.microsoft.com/sharepoint/v3/contenttype/forms"/>
+  </ds:schemaRefs>
+</ds:datastoreItem>
+</file>
+
+<file path=customXml/itemProps2.xml><?xml version="1.0" encoding="utf-8"?>
 <ds:datastoreItem xmlns:ds="http://schemas.openxmlformats.org/officeDocument/2006/customXml" ds:itemID="{92DB9E12-8AC3-4138-BF4D-720A5525AB10}">
   <ds:schemaRefs>
     <ds:schemaRef ds:uri="http://schemas.microsoft.com/office/2006/metadata/contentType"/>
@@ -15862,14 +15903,6 @@
 </ds:datastoreItem>
 </file>
 
-<file path=customXml/itemProps2.xml><?xml version="1.0" encoding="utf-8"?>
-<ds:datastoreItem xmlns:ds="http://schemas.openxmlformats.org/officeDocument/2006/customXml" ds:itemID="{C21FFAC0-05A2-416A-B06C-C248395482CF}">
-  <ds:schemaRefs>
-    <ds:schemaRef ds:uri="http://schemas.microsoft.com/sharepoint/v3/contenttype/forms"/>
-  </ds:schemaRefs>
-</ds:datastoreItem>
-</file>
-
 <file path=customXml/itemProps3.xml><?xml version="1.0" encoding="utf-8"?>
 <ds:datastoreItem xmlns:ds="http://schemas.openxmlformats.org/officeDocument/2006/customXml" ds:itemID="{4F4B194E-8B30-4377-8C59-ECFB902D2A26}">
   <ds:schemaRefs>
